--- a/Web/images/Présentation1.pptx
+++ b/Web/images/Présentation1.pptx
@@ -245,7 +245,7 @@
           <a:p>
             <a:fld id="{DFC0D7DB-B500-40ED-8335-8239FE6A3602}" type="datetimeFigureOut">
               <a:rPr lang="fr-FR" smtClean="0"/>
-              <a:t>06/02/2014</a:t>
+              <a:t>27/08/2014</a:t>
             </a:fld>
             <a:endParaRPr lang="fr-FR"/>
           </a:p>
@@ -415,7 +415,7 @@
           <a:p>
             <a:fld id="{DFC0D7DB-B500-40ED-8335-8239FE6A3602}" type="datetimeFigureOut">
               <a:rPr lang="fr-FR" smtClean="0"/>
-              <a:t>06/02/2014</a:t>
+              <a:t>27/08/2014</a:t>
             </a:fld>
             <a:endParaRPr lang="fr-FR"/>
           </a:p>
@@ -595,7 +595,7 @@
           <a:p>
             <a:fld id="{DFC0D7DB-B500-40ED-8335-8239FE6A3602}" type="datetimeFigureOut">
               <a:rPr lang="fr-FR" smtClean="0"/>
-              <a:t>06/02/2014</a:t>
+              <a:t>27/08/2014</a:t>
             </a:fld>
             <a:endParaRPr lang="fr-FR"/>
           </a:p>
@@ -765,7 +765,7 @@
           <a:p>
             <a:fld id="{DFC0D7DB-B500-40ED-8335-8239FE6A3602}" type="datetimeFigureOut">
               <a:rPr lang="fr-FR" smtClean="0"/>
-              <a:t>06/02/2014</a:t>
+              <a:t>27/08/2014</a:t>
             </a:fld>
             <a:endParaRPr lang="fr-FR"/>
           </a:p>
@@ -1011,7 +1011,7 @@
           <a:p>
             <a:fld id="{DFC0D7DB-B500-40ED-8335-8239FE6A3602}" type="datetimeFigureOut">
               <a:rPr lang="fr-FR" smtClean="0"/>
-              <a:t>06/02/2014</a:t>
+              <a:t>27/08/2014</a:t>
             </a:fld>
             <a:endParaRPr lang="fr-FR"/>
           </a:p>
@@ -1243,7 +1243,7 @@
           <a:p>
             <a:fld id="{DFC0D7DB-B500-40ED-8335-8239FE6A3602}" type="datetimeFigureOut">
               <a:rPr lang="fr-FR" smtClean="0"/>
-              <a:t>06/02/2014</a:t>
+              <a:t>27/08/2014</a:t>
             </a:fld>
             <a:endParaRPr lang="fr-FR"/>
           </a:p>
@@ -1610,7 +1610,7 @@
           <a:p>
             <a:fld id="{DFC0D7DB-B500-40ED-8335-8239FE6A3602}" type="datetimeFigureOut">
               <a:rPr lang="fr-FR" smtClean="0"/>
-              <a:t>06/02/2014</a:t>
+              <a:t>27/08/2014</a:t>
             </a:fld>
             <a:endParaRPr lang="fr-FR"/>
           </a:p>
@@ -1728,7 +1728,7 @@
           <a:p>
             <a:fld id="{DFC0D7DB-B500-40ED-8335-8239FE6A3602}" type="datetimeFigureOut">
               <a:rPr lang="fr-FR" smtClean="0"/>
-              <a:t>06/02/2014</a:t>
+              <a:t>27/08/2014</a:t>
             </a:fld>
             <a:endParaRPr lang="fr-FR"/>
           </a:p>
@@ -1823,7 +1823,7 @@
           <a:p>
             <a:fld id="{DFC0D7DB-B500-40ED-8335-8239FE6A3602}" type="datetimeFigureOut">
               <a:rPr lang="fr-FR" smtClean="0"/>
-              <a:t>06/02/2014</a:t>
+              <a:t>27/08/2014</a:t>
             </a:fld>
             <a:endParaRPr lang="fr-FR"/>
           </a:p>
@@ -2100,7 +2100,7 @@
           <a:p>
             <a:fld id="{DFC0D7DB-B500-40ED-8335-8239FE6A3602}" type="datetimeFigureOut">
               <a:rPr lang="fr-FR" smtClean="0"/>
-              <a:t>06/02/2014</a:t>
+              <a:t>27/08/2014</a:t>
             </a:fld>
             <a:endParaRPr lang="fr-FR"/>
           </a:p>
@@ -2353,7 +2353,7 @@
           <a:p>
             <a:fld id="{DFC0D7DB-B500-40ED-8335-8239FE6A3602}" type="datetimeFigureOut">
               <a:rPr lang="fr-FR" smtClean="0"/>
-              <a:t>06/02/2014</a:t>
+              <a:t>27/08/2014</a:t>
             </a:fld>
             <a:endParaRPr lang="fr-FR"/>
           </a:p>
@@ -2566,7 +2566,7 @@
           <a:p>
             <a:fld id="{DFC0D7DB-B500-40ED-8335-8239FE6A3602}" type="datetimeFigureOut">
               <a:rPr lang="fr-FR" smtClean="0"/>
-              <a:t>06/02/2014</a:t>
+              <a:t>27/08/2014</a:t>
             </a:fld>
             <a:endParaRPr lang="fr-FR"/>
           </a:p>
@@ -3374,6 +3374,14 @@
 <file path=ppt/slides/slide3.xml><?xml version="1.0" encoding="utf-8"?>
 <p:sld xmlns:a="http://schemas.openxmlformats.org/drawingml/2006/main" xmlns:r="http://schemas.openxmlformats.org/officeDocument/2006/relationships" xmlns:p="http://schemas.openxmlformats.org/presentationml/2006/main">
   <p:cSld>
+    <p:bg>
+      <p:bgPr>
+        <a:solidFill>
+          <a:srgbClr val="00B0F0"/>
+        </a:solidFill>
+        <a:effectLst/>
+      </p:bgPr>
+    </p:bg>
     <p:spTree>
       <p:nvGrpSpPr>
         <p:cNvPr id="1" name=""/>
@@ -3396,7 +3404,7 @@
         </p:nvSpPr>
         <p:spPr>
           <a:xfrm>
-            <a:off x="4311294" y="2516970"/>
+            <a:off x="393921" y="293315"/>
             <a:ext cx="1366080" cy="1862048"/>
           </a:xfrm>
           <a:prstGeom prst="rect">
@@ -3417,6 +3425,398 @@
               </a:rPr>
               <a:t>✔</a:t>
             </a:r>
+          </a:p>
+        </p:txBody>
+      </p:sp>
+      <p:sp>
+        <p:nvSpPr>
+          <p:cNvPr id="2" name="Bouée 1"/>
+          <p:cNvSpPr/>
+          <p:nvPr/>
+        </p:nvSpPr>
+        <p:spPr>
+          <a:xfrm>
+            <a:off x="3117273" y="862445"/>
+            <a:ext cx="4320000" cy="4320000"/>
+          </a:xfrm>
+          <a:prstGeom prst="donut">
+            <a:avLst>
+              <a:gd name="adj" fmla="val 8010"/>
+            </a:avLst>
+          </a:prstGeom>
+          <a:solidFill>
+            <a:schemeClr val="bg1"/>
+          </a:solidFill>
+          <a:ln>
+            <a:solidFill>
+              <a:schemeClr val="bg1"/>
+            </a:solidFill>
+          </a:ln>
+        </p:spPr>
+        <p:style>
+          <a:lnRef idx="2">
+            <a:schemeClr val="accent1">
+              <a:shade val="50000"/>
+            </a:schemeClr>
+          </a:lnRef>
+          <a:fillRef idx="1">
+            <a:schemeClr val="accent1"/>
+          </a:fillRef>
+          <a:effectRef idx="0">
+            <a:schemeClr val="accent1"/>
+          </a:effectRef>
+          <a:fontRef idx="minor">
+            <a:schemeClr val="lt1"/>
+          </a:fontRef>
+        </p:style>
+        <p:txBody>
+          <a:bodyPr rtlCol="0" anchor="ctr"/>
+          <a:lstStyle/>
+          <a:p>
+            <a:pPr algn="ctr"/>
+            <a:endParaRPr lang="fr-FR">
+              <a:solidFill>
+                <a:schemeClr val="tx1"/>
+              </a:solidFill>
+            </a:endParaRPr>
+          </a:p>
+        </p:txBody>
+      </p:sp>
+      <p:sp>
+        <p:nvSpPr>
+          <p:cNvPr id="3" name="Rectangle 2"/>
+          <p:cNvSpPr/>
+          <p:nvPr/>
+        </p:nvSpPr>
+        <p:spPr>
+          <a:xfrm>
+            <a:off x="5164931" y="1417463"/>
+            <a:ext cx="230982" cy="475200"/>
+          </a:xfrm>
+          <a:prstGeom prst="rect">
+            <a:avLst/>
+          </a:prstGeom>
+          <a:solidFill>
+            <a:schemeClr val="bg1"/>
+          </a:solidFill>
+          <a:ln>
+            <a:solidFill>
+              <a:schemeClr val="bg1"/>
+            </a:solidFill>
+          </a:ln>
+        </p:spPr>
+        <p:style>
+          <a:lnRef idx="2">
+            <a:schemeClr val="accent1">
+              <a:shade val="50000"/>
+            </a:schemeClr>
+          </a:lnRef>
+          <a:fillRef idx="1">
+            <a:schemeClr val="accent1"/>
+          </a:fillRef>
+          <a:effectRef idx="0">
+            <a:schemeClr val="accent1"/>
+          </a:effectRef>
+          <a:fontRef idx="minor">
+            <a:schemeClr val="lt1"/>
+          </a:fontRef>
+        </p:style>
+        <p:txBody>
+          <a:bodyPr rtlCol="0" anchor="ctr"/>
+          <a:lstStyle/>
+          <a:p>
+            <a:pPr algn="ctr"/>
+            <a:endParaRPr lang="fr-FR"/>
+          </a:p>
+        </p:txBody>
+      </p:sp>
+      <p:sp>
+        <p:nvSpPr>
+          <p:cNvPr id="5" name="Rectangle 4"/>
+          <p:cNvSpPr/>
+          <p:nvPr/>
+        </p:nvSpPr>
+        <p:spPr>
+          <a:xfrm>
+            <a:off x="5164931" y="4164806"/>
+            <a:ext cx="230982" cy="475654"/>
+          </a:xfrm>
+          <a:prstGeom prst="rect">
+            <a:avLst/>
+          </a:prstGeom>
+          <a:solidFill>
+            <a:schemeClr val="bg1"/>
+          </a:solidFill>
+          <a:ln>
+            <a:solidFill>
+              <a:schemeClr val="bg1"/>
+            </a:solidFill>
+          </a:ln>
+        </p:spPr>
+        <p:style>
+          <a:lnRef idx="2">
+            <a:schemeClr val="accent1">
+              <a:shade val="50000"/>
+            </a:schemeClr>
+          </a:lnRef>
+          <a:fillRef idx="1">
+            <a:schemeClr val="accent1"/>
+          </a:fillRef>
+          <a:effectRef idx="0">
+            <a:schemeClr val="accent1"/>
+          </a:effectRef>
+          <a:fontRef idx="minor">
+            <a:schemeClr val="lt1"/>
+          </a:fontRef>
+        </p:style>
+        <p:txBody>
+          <a:bodyPr rtlCol="0" anchor="ctr"/>
+          <a:lstStyle/>
+          <a:p>
+            <a:pPr algn="ctr"/>
+            <a:endParaRPr lang="fr-FR"/>
+          </a:p>
+        </p:txBody>
+      </p:sp>
+      <p:sp>
+        <p:nvSpPr>
+          <p:cNvPr id="6" name="Rectangle 5"/>
+          <p:cNvSpPr/>
+          <p:nvPr/>
+        </p:nvSpPr>
+        <p:spPr>
+          <a:xfrm rot="5400000">
+            <a:off x="6553680" y="2784847"/>
+            <a:ext cx="230401" cy="475200"/>
+          </a:xfrm>
+          <a:prstGeom prst="rect">
+            <a:avLst/>
+          </a:prstGeom>
+          <a:solidFill>
+            <a:schemeClr val="bg1"/>
+          </a:solidFill>
+          <a:ln>
+            <a:solidFill>
+              <a:schemeClr val="bg1"/>
+            </a:solidFill>
+          </a:ln>
+        </p:spPr>
+        <p:style>
+          <a:lnRef idx="2">
+            <a:schemeClr val="accent1">
+              <a:shade val="50000"/>
+            </a:schemeClr>
+          </a:lnRef>
+          <a:fillRef idx="1">
+            <a:schemeClr val="accent1"/>
+          </a:fillRef>
+          <a:effectRef idx="0">
+            <a:schemeClr val="accent1"/>
+          </a:effectRef>
+          <a:fontRef idx="minor">
+            <a:schemeClr val="lt1"/>
+          </a:fontRef>
+        </p:style>
+        <p:txBody>
+          <a:bodyPr rtlCol="0" anchor="ctr"/>
+          <a:lstStyle/>
+          <a:p>
+            <a:pPr algn="ctr"/>
+            <a:endParaRPr lang="fr-FR"/>
+          </a:p>
+        </p:txBody>
+      </p:sp>
+      <p:sp>
+        <p:nvSpPr>
+          <p:cNvPr id="7" name="Rectangle 6"/>
+          <p:cNvSpPr/>
+          <p:nvPr/>
+        </p:nvSpPr>
+        <p:spPr>
+          <a:xfrm rot="5400000">
+            <a:off x="3837156" y="2784845"/>
+            <a:ext cx="230400" cy="475200"/>
+          </a:xfrm>
+          <a:prstGeom prst="rect">
+            <a:avLst/>
+          </a:prstGeom>
+          <a:solidFill>
+            <a:schemeClr val="bg1"/>
+          </a:solidFill>
+          <a:ln>
+            <a:solidFill>
+              <a:schemeClr val="bg1"/>
+            </a:solidFill>
+          </a:ln>
+        </p:spPr>
+        <p:style>
+          <a:lnRef idx="2">
+            <a:schemeClr val="accent1">
+              <a:shade val="50000"/>
+            </a:schemeClr>
+          </a:lnRef>
+          <a:fillRef idx="1">
+            <a:schemeClr val="accent1"/>
+          </a:fillRef>
+          <a:effectRef idx="0">
+            <a:schemeClr val="accent1"/>
+          </a:effectRef>
+          <a:fontRef idx="minor">
+            <a:schemeClr val="lt1"/>
+          </a:fontRef>
+        </p:style>
+        <p:txBody>
+          <a:bodyPr rtlCol="0" anchor="ctr"/>
+          <a:lstStyle/>
+          <a:p>
+            <a:pPr algn="ctr"/>
+            <a:endParaRPr lang="fr-FR"/>
+          </a:p>
+        </p:txBody>
+      </p:sp>
+      <p:sp>
+        <p:nvSpPr>
+          <p:cNvPr id="8" name="Rectangle 7"/>
+          <p:cNvSpPr/>
+          <p:nvPr/>
+        </p:nvSpPr>
+        <p:spPr>
+          <a:xfrm rot="2090623">
+            <a:off x="4888431" y="2804978"/>
+            <a:ext cx="248257" cy="1248245"/>
+          </a:xfrm>
+          <a:prstGeom prst="rect">
+            <a:avLst/>
+          </a:prstGeom>
+          <a:solidFill>
+            <a:schemeClr val="bg1"/>
+          </a:solidFill>
+          <a:ln>
+            <a:solidFill>
+              <a:schemeClr val="bg1"/>
+            </a:solidFill>
+          </a:ln>
+        </p:spPr>
+        <p:style>
+          <a:lnRef idx="2">
+            <a:schemeClr val="accent1">
+              <a:shade val="50000"/>
+            </a:schemeClr>
+          </a:lnRef>
+          <a:fillRef idx="1">
+            <a:schemeClr val="accent1"/>
+          </a:fillRef>
+          <a:effectRef idx="0">
+            <a:schemeClr val="accent1"/>
+          </a:effectRef>
+          <a:fontRef idx="minor">
+            <a:schemeClr val="lt1"/>
+          </a:fontRef>
+        </p:style>
+        <p:txBody>
+          <a:bodyPr rtlCol="0" anchor="ctr"/>
+          <a:lstStyle/>
+          <a:p>
+            <a:pPr algn="ctr"/>
+            <a:endParaRPr lang="fr-FR"/>
+          </a:p>
+        </p:txBody>
+      </p:sp>
+      <p:sp>
+        <p:nvSpPr>
+          <p:cNvPr id="9" name="Rectangle 8"/>
+          <p:cNvSpPr/>
+          <p:nvPr/>
+        </p:nvSpPr>
+        <p:spPr>
+          <a:xfrm rot="8153019">
+            <a:off x="4645992" y="1572506"/>
+            <a:ext cx="269167" cy="1733061"/>
+          </a:xfrm>
+          <a:prstGeom prst="rect">
+            <a:avLst/>
+          </a:prstGeom>
+          <a:solidFill>
+            <a:schemeClr val="bg1"/>
+          </a:solidFill>
+          <a:ln>
+            <a:solidFill>
+              <a:schemeClr val="bg1"/>
+            </a:solidFill>
+          </a:ln>
+        </p:spPr>
+        <p:style>
+          <a:lnRef idx="2">
+            <a:schemeClr val="accent1">
+              <a:shade val="50000"/>
+            </a:schemeClr>
+          </a:lnRef>
+          <a:fillRef idx="1">
+            <a:schemeClr val="accent1"/>
+          </a:fillRef>
+          <a:effectRef idx="0">
+            <a:schemeClr val="accent1"/>
+          </a:effectRef>
+          <a:fontRef idx="minor">
+            <a:schemeClr val="lt1"/>
+          </a:fontRef>
+        </p:style>
+        <p:txBody>
+          <a:bodyPr rtlCol="0" anchor="ctr"/>
+          <a:lstStyle/>
+          <a:p>
+            <a:pPr algn="ctr"/>
+            <a:endParaRPr lang="fr-FR"/>
+          </a:p>
+        </p:txBody>
+      </p:sp>
+      <p:sp>
+        <p:nvSpPr>
+          <p:cNvPr id="10" name="Croix 9"/>
+          <p:cNvSpPr/>
+          <p:nvPr/>
+        </p:nvSpPr>
+        <p:spPr>
+          <a:xfrm>
+            <a:off x="8820150" y="1417465"/>
+            <a:ext cx="2160000" cy="2160000"/>
+          </a:xfrm>
+          <a:prstGeom prst="plus">
+            <a:avLst>
+              <a:gd name="adj" fmla="val 40434"/>
+            </a:avLst>
+          </a:prstGeom>
+          <a:solidFill>
+            <a:schemeClr val="bg1"/>
+          </a:solidFill>
+          <a:ln>
+            <a:solidFill>
+              <a:schemeClr val="bg1"/>
+            </a:solidFill>
+          </a:ln>
+        </p:spPr>
+        <p:style>
+          <a:lnRef idx="2">
+            <a:schemeClr val="accent1">
+              <a:shade val="50000"/>
+            </a:schemeClr>
+          </a:lnRef>
+          <a:fillRef idx="1">
+            <a:schemeClr val="accent1"/>
+          </a:fillRef>
+          <a:effectRef idx="0">
+            <a:schemeClr val="accent1"/>
+          </a:effectRef>
+          <a:fontRef idx="minor">
+            <a:schemeClr val="lt1"/>
+          </a:fontRef>
+        </p:style>
+        <p:txBody>
+          <a:bodyPr rtlCol="0" anchor="ctr"/>
+          <a:lstStyle/>
+          <a:p>
+            <a:pPr algn="ctr"/>
+            <a:endParaRPr lang="fr-FR"/>
           </a:p>
         </p:txBody>
       </p:sp>

--- a/Web/images/Présentation1.pptx
+++ b/Web/images/Présentation1.pptx
@@ -8,6 +8,7 @@
     <p:sldId id="256" r:id="rId2"/>
     <p:sldId id="257" r:id="rId3"/>
     <p:sldId id="258" r:id="rId4"/>
+    <p:sldId id="259" r:id="rId5"/>
   </p:sldIdLst>
   <p:sldSz cx="12192000" cy="6858000"/>
   <p:notesSz cx="6858000" cy="9144000"/>
@@ -245,7 +246,7 @@
           <a:p>
             <a:fld id="{DFC0D7DB-B500-40ED-8335-8239FE6A3602}" type="datetimeFigureOut">
               <a:rPr lang="fr-FR" smtClean="0"/>
-              <a:t>27/08/2014</a:t>
+              <a:t>02/09/2014</a:t>
             </a:fld>
             <a:endParaRPr lang="fr-FR"/>
           </a:p>
@@ -415,7 +416,7 @@
           <a:p>
             <a:fld id="{DFC0D7DB-B500-40ED-8335-8239FE6A3602}" type="datetimeFigureOut">
               <a:rPr lang="fr-FR" smtClean="0"/>
-              <a:t>27/08/2014</a:t>
+              <a:t>02/09/2014</a:t>
             </a:fld>
             <a:endParaRPr lang="fr-FR"/>
           </a:p>
@@ -595,7 +596,7 @@
           <a:p>
             <a:fld id="{DFC0D7DB-B500-40ED-8335-8239FE6A3602}" type="datetimeFigureOut">
               <a:rPr lang="fr-FR" smtClean="0"/>
-              <a:t>27/08/2014</a:t>
+              <a:t>02/09/2014</a:t>
             </a:fld>
             <a:endParaRPr lang="fr-FR"/>
           </a:p>
@@ -765,7 +766,7 @@
           <a:p>
             <a:fld id="{DFC0D7DB-B500-40ED-8335-8239FE6A3602}" type="datetimeFigureOut">
               <a:rPr lang="fr-FR" smtClean="0"/>
-              <a:t>27/08/2014</a:t>
+              <a:t>02/09/2014</a:t>
             </a:fld>
             <a:endParaRPr lang="fr-FR"/>
           </a:p>
@@ -1011,7 +1012,7 @@
           <a:p>
             <a:fld id="{DFC0D7DB-B500-40ED-8335-8239FE6A3602}" type="datetimeFigureOut">
               <a:rPr lang="fr-FR" smtClean="0"/>
-              <a:t>27/08/2014</a:t>
+              <a:t>02/09/2014</a:t>
             </a:fld>
             <a:endParaRPr lang="fr-FR"/>
           </a:p>
@@ -1243,7 +1244,7 @@
           <a:p>
             <a:fld id="{DFC0D7DB-B500-40ED-8335-8239FE6A3602}" type="datetimeFigureOut">
               <a:rPr lang="fr-FR" smtClean="0"/>
-              <a:t>27/08/2014</a:t>
+              <a:t>02/09/2014</a:t>
             </a:fld>
             <a:endParaRPr lang="fr-FR"/>
           </a:p>
@@ -1610,7 +1611,7 @@
           <a:p>
             <a:fld id="{DFC0D7DB-B500-40ED-8335-8239FE6A3602}" type="datetimeFigureOut">
               <a:rPr lang="fr-FR" smtClean="0"/>
-              <a:t>27/08/2014</a:t>
+              <a:t>02/09/2014</a:t>
             </a:fld>
             <a:endParaRPr lang="fr-FR"/>
           </a:p>
@@ -1728,7 +1729,7 @@
           <a:p>
             <a:fld id="{DFC0D7DB-B500-40ED-8335-8239FE6A3602}" type="datetimeFigureOut">
               <a:rPr lang="fr-FR" smtClean="0"/>
-              <a:t>27/08/2014</a:t>
+              <a:t>02/09/2014</a:t>
             </a:fld>
             <a:endParaRPr lang="fr-FR"/>
           </a:p>
@@ -1823,7 +1824,7 @@
           <a:p>
             <a:fld id="{DFC0D7DB-B500-40ED-8335-8239FE6A3602}" type="datetimeFigureOut">
               <a:rPr lang="fr-FR" smtClean="0"/>
-              <a:t>27/08/2014</a:t>
+              <a:t>02/09/2014</a:t>
             </a:fld>
             <a:endParaRPr lang="fr-FR"/>
           </a:p>
@@ -2100,7 +2101,7 @@
           <a:p>
             <a:fld id="{DFC0D7DB-B500-40ED-8335-8239FE6A3602}" type="datetimeFigureOut">
               <a:rPr lang="fr-FR" smtClean="0"/>
-              <a:t>27/08/2014</a:t>
+              <a:t>02/09/2014</a:t>
             </a:fld>
             <a:endParaRPr lang="fr-FR"/>
           </a:p>
@@ -2353,7 +2354,7 @@
           <a:p>
             <a:fld id="{DFC0D7DB-B500-40ED-8335-8239FE6A3602}" type="datetimeFigureOut">
               <a:rPr lang="fr-FR" smtClean="0"/>
-              <a:t>27/08/2014</a:t>
+              <a:t>02/09/2014</a:t>
             </a:fld>
             <a:endParaRPr lang="fr-FR"/>
           </a:p>
@@ -2566,7 +2567,7 @@
           <a:p>
             <a:fld id="{DFC0D7DB-B500-40ED-8335-8239FE6A3602}" type="datetimeFigureOut">
               <a:rPr lang="fr-FR" smtClean="0"/>
-              <a:t>27/08/2014</a:t>
+              <a:t>02/09/2014</a:t>
             </a:fld>
             <a:endParaRPr lang="fr-FR"/>
           </a:p>
@@ -3833,6 +3834,160 @@
 </p:sld>
 </file>
 
+<file path=ppt/slides/slide4.xml><?xml version="1.0" encoding="utf-8"?>
+<p:sld xmlns:a="http://schemas.openxmlformats.org/drawingml/2006/main" xmlns:r="http://schemas.openxmlformats.org/officeDocument/2006/relationships" xmlns:p="http://schemas.openxmlformats.org/presentationml/2006/main">
+  <p:cSld>
+    <p:bg>
+      <p:bgPr>
+        <a:solidFill>
+          <a:srgbClr val="00B0F0"/>
+        </a:solidFill>
+        <a:effectLst/>
+      </p:bgPr>
+    </p:bg>
+    <p:spTree>
+      <p:nvGrpSpPr>
+        <p:cNvPr id="1" name=""/>
+        <p:cNvGrpSpPr/>
+        <p:nvPr/>
+      </p:nvGrpSpPr>
+      <p:grpSpPr>
+        <a:xfrm>
+          <a:off x="0" y="0"/>
+          <a:ext cx="0" cy="0"/>
+          <a:chOff x="0" y="0"/>
+          <a:chExt cx="0" cy="0"/>
+        </a:xfrm>
+      </p:grpSpPr>
+      <p:sp>
+        <p:nvSpPr>
+          <p:cNvPr id="4" name="Flèche en arc 3"/>
+          <p:cNvSpPr/>
+          <p:nvPr/>
+        </p:nvSpPr>
+        <p:spPr>
+          <a:xfrm>
+            <a:off x="2784764" y="1735281"/>
+            <a:ext cx="2160000" cy="2160000"/>
+          </a:xfrm>
+          <a:prstGeom prst="circularArrow">
+            <a:avLst>
+              <a:gd name="adj1" fmla="val 12500"/>
+              <a:gd name="adj2" fmla="val 1142319"/>
+              <a:gd name="adj3" fmla="val 20457681"/>
+              <a:gd name="adj4" fmla="val 11440029"/>
+              <a:gd name="adj5" fmla="val 12500"/>
+            </a:avLst>
+          </a:prstGeom>
+          <a:solidFill>
+            <a:schemeClr val="bg1"/>
+          </a:solidFill>
+          <a:ln>
+            <a:solidFill>
+              <a:schemeClr val="bg1"/>
+            </a:solidFill>
+          </a:ln>
+        </p:spPr>
+        <p:style>
+          <a:lnRef idx="2">
+            <a:schemeClr val="accent1">
+              <a:shade val="50000"/>
+            </a:schemeClr>
+          </a:lnRef>
+          <a:fillRef idx="1">
+            <a:schemeClr val="accent1"/>
+          </a:fillRef>
+          <a:effectRef idx="0">
+            <a:schemeClr val="accent1"/>
+          </a:effectRef>
+          <a:fontRef idx="minor">
+            <a:schemeClr val="lt1"/>
+          </a:fontRef>
+        </p:style>
+        <p:txBody>
+          <a:bodyPr rtlCol="0" anchor="ctr"/>
+          <a:lstStyle/>
+          <a:p>
+            <a:pPr algn="ctr"/>
+            <a:endParaRPr lang="fr-FR">
+              <a:solidFill>
+                <a:schemeClr val="tx1"/>
+              </a:solidFill>
+            </a:endParaRPr>
+          </a:p>
+        </p:txBody>
+      </p:sp>
+      <p:sp>
+        <p:nvSpPr>
+          <p:cNvPr id="5" name="Flèche en arc 4"/>
+          <p:cNvSpPr/>
+          <p:nvPr/>
+        </p:nvSpPr>
+        <p:spPr>
+          <a:xfrm rot="10800000">
+            <a:off x="2784764" y="1735281"/>
+            <a:ext cx="2160000" cy="2160000"/>
+          </a:xfrm>
+          <a:prstGeom prst="circularArrow">
+            <a:avLst>
+              <a:gd name="adj1" fmla="val 12500"/>
+              <a:gd name="adj2" fmla="val 1142319"/>
+              <a:gd name="adj3" fmla="val 20457681"/>
+              <a:gd name="adj4" fmla="val 11698924"/>
+              <a:gd name="adj5" fmla="val 12500"/>
+            </a:avLst>
+          </a:prstGeom>
+          <a:solidFill>
+            <a:schemeClr val="bg1"/>
+          </a:solidFill>
+          <a:ln>
+            <a:solidFill>
+              <a:schemeClr val="bg1"/>
+            </a:solidFill>
+          </a:ln>
+        </p:spPr>
+        <p:style>
+          <a:lnRef idx="2">
+            <a:schemeClr val="accent1">
+              <a:shade val="50000"/>
+            </a:schemeClr>
+          </a:lnRef>
+          <a:fillRef idx="1">
+            <a:schemeClr val="accent1"/>
+          </a:fillRef>
+          <a:effectRef idx="0">
+            <a:schemeClr val="accent1"/>
+          </a:effectRef>
+          <a:fontRef idx="minor">
+            <a:schemeClr val="lt1"/>
+          </a:fontRef>
+        </p:style>
+        <p:txBody>
+          <a:bodyPr rtlCol="0" anchor="ctr"/>
+          <a:lstStyle/>
+          <a:p>
+            <a:pPr algn="ctr"/>
+            <a:endParaRPr lang="fr-FR">
+              <a:solidFill>
+                <a:schemeClr val="tx1"/>
+              </a:solidFill>
+            </a:endParaRPr>
+          </a:p>
+        </p:txBody>
+      </p:sp>
+    </p:spTree>
+    <p:extLst>
+      <p:ext uri="{BB962C8B-B14F-4D97-AF65-F5344CB8AC3E}">
+        <p14:creationId xmlns:p14="http://schemas.microsoft.com/office/powerpoint/2010/main" val="1303407303"/>
+      </p:ext>
+    </p:extLst>
+  </p:cSld>
+  <p:clrMapOvr>
+    <a:masterClrMapping/>
+  </p:clrMapOvr>
+</p:sld>
+</file>
+
 <file path=ppt/theme/theme1.xml><?xml version="1.0" encoding="utf-8"?>
 <a:theme xmlns:a="http://schemas.openxmlformats.org/drawingml/2006/main" name="Thème Office">
   <a:themeElements>
